--- a/Documentacion/BEDU.pptx
+++ b/Documentacion/BEDU.pptx
@@ -6,6 +6,8 @@
   </p:sldMasterIdLst>
   <p:sldIdLst>
     <p:sldId id="256" r:id="rId2"/>
+    <p:sldId id="257" r:id="rId3"/>
+    <p:sldId id="258" r:id="rId4"/>
   </p:sldIdLst>
   <p:sldSz cx="12192000" cy="6858000"/>
   <p:notesSz cx="6858000" cy="9144000"/>
@@ -104,6 +106,11 @@
       </a:defRPr>
     </a:lvl9pPr>
   </p:defaultTextStyle>
+  <p:extLst>
+    <p:ext uri="{EFAFB233-063F-42B5-8137-9DF3F51BA10A}">
+      <p15:sldGuideLst xmlns:p15="http://schemas.microsoft.com/office/powerpoint/2012/main"/>
+    </p:ext>
+  </p:extLst>
 </p:presentation>
 </file>
 
@@ -238,7 +245,7 @@
           <a:p>
             <a:fld id="{DB2AF52B-12E8-40C5-91D6-C9F1AD5CB792}" type="datetimeFigureOut">
               <a:rPr lang="en-US" smtClean="0"/>
-              <a:t>8/5/2022</a:t>
+              <a:t>8/15/2022</a:t>
             </a:fld>
             <a:endParaRPr lang="en-US"/>
           </a:p>
@@ -408,7 +415,7 @@
           <a:p>
             <a:fld id="{DB2AF52B-12E8-40C5-91D6-C9F1AD5CB792}" type="datetimeFigureOut">
               <a:rPr lang="en-US" smtClean="0"/>
-              <a:t>8/5/2022</a:t>
+              <a:t>8/15/2022</a:t>
             </a:fld>
             <a:endParaRPr lang="en-US"/>
           </a:p>
@@ -588,7 +595,7 @@
           <a:p>
             <a:fld id="{DB2AF52B-12E8-40C5-91D6-C9F1AD5CB792}" type="datetimeFigureOut">
               <a:rPr lang="en-US" smtClean="0"/>
-              <a:t>8/5/2022</a:t>
+              <a:t>8/15/2022</a:t>
             </a:fld>
             <a:endParaRPr lang="en-US"/>
           </a:p>
@@ -758,7 +765,7 @@
           <a:p>
             <a:fld id="{DB2AF52B-12E8-40C5-91D6-C9F1AD5CB792}" type="datetimeFigureOut">
               <a:rPr lang="en-US" smtClean="0"/>
-              <a:t>8/5/2022</a:t>
+              <a:t>8/15/2022</a:t>
             </a:fld>
             <a:endParaRPr lang="en-US"/>
           </a:p>
@@ -1004,7 +1011,7 @@
           <a:p>
             <a:fld id="{DB2AF52B-12E8-40C5-91D6-C9F1AD5CB792}" type="datetimeFigureOut">
               <a:rPr lang="en-US" smtClean="0"/>
-              <a:t>8/5/2022</a:t>
+              <a:t>8/15/2022</a:t>
             </a:fld>
             <a:endParaRPr lang="en-US"/>
           </a:p>
@@ -1236,7 +1243,7 @@
           <a:p>
             <a:fld id="{DB2AF52B-12E8-40C5-91D6-C9F1AD5CB792}" type="datetimeFigureOut">
               <a:rPr lang="en-US" smtClean="0"/>
-              <a:t>8/5/2022</a:t>
+              <a:t>8/15/2022</a:t>
             </a:fld>
             <a:endParaRPr lang="en-US"/>
           </a:p>
@@ -1603,7 +1610,7 @@
           <a:p>
             <a:fld id="{DB2AF52B-12E8-40C5-91D6-C9F1AD5CB792}" type="datetimeFigureOut">
               <a:rPr lang="en-US" smtClean="0"/>
-              <a:t>8/5/2022</a:t>
+              <a:t>8/15/2022</a:t>
             </a:fld>
             <a:endParaRPr lang="en-US"/>
           </a:p>
@@ -1721,7 +1728,7 @@
           <a:p>
             <a:fld id="{DB2AF52B-12E8-40C5-91D6-C9F1AD5CB792}" type="datetimeFigureOut">
               <a:rPr lang="en-US" smtClean="0"/>
-              <a:t>8/5/2022</a:t>
+              <a:t>8/15/2022</a:t>
             </a:fld>
             <a:endParaRPr lang="en-US"/>
           </a:p>
@@ -1816,7 +1823,7 @@
           <a:p>
             <a:fld id="{DB2AF52B-12E8-40C5-91D6-C9F1AD5CB792}" type="datetimeFigureOut">
               <a:rPr lang="en-US" smtClean="0"/>
-              <a:t>8/5/2022</a:t>
+              <a:t>8/15/2022</a:t>
             </a:fld>
             <a:endParaRPr lang="en-US"/>
           </a:p>
@@ -2093,7 +2100,7 @@
           <a:p>
             <a:fld id="{DB2AF52B-12E8-40C5-91D6-C9F1AD5CB792}" type="datetimeFigureOut">
               <a:rPr lang="en-US" smtClean="0"/>
-              <a:t>8/5/2022</a:t>
+              <a:t>8/15/2022</a:t>
             </a:fld>
             <a:endParaRPr lang="en-US"/>
           </a:p>
@@ -2346,7 +2353,7 @@
           <a:p>
             <a:fld id="{DB2AF52B-12E8-40C5-91D6-C9F1AD5CB792}" type="datetimeFigureOut">
               <a:rPr lang="en-US" smtClean="0"/>
-              <a:t>8/5/2022</a:t>
+              <a:t>8/15/2022</a:t>
             </a:fld>
             <a:endParaRPr lang="en-US"/>
           </a:p>
@@ -2559,7 +2566,7 @@
           <a:p>
             <a:fld id="{DB2AF52B-12E8-40C5-91D6-C9F1AD5CB792}" type="datetimeFigureOut">
               <a:rPr lang="en-US" smtClean="0"/>
-              <a:t>8/5/2022</a:t>
+              <a:t>8/15/2022</a:t>
             </a:fld>
             <a:endParaRPr lang="en-US"/>
           </a:p>
@@ -3635,10 +3642,1818 @@
           </a:p>
         </p:txBody>
       </p:sp>
+      <p:sp>
+        <p:nvSpPr>
+          <p:cNvPr id="2" name="Rectángulo 1"/>
+          <p:cNvSpPr/>
+          <p:nvPr/>
+        </p:nvSpPr>
+        <p:spPr>
+          <a:xfrm>
+            <a:off x="9159799" y="5838494"/>
+            <a:ext cx="2417008" cy="646331"/>
+          </a:xfrm>
+          <a:prstGeom prst="rect">
+            <a:avLst/>
+          </a:prstGeom>
+          <a:noFill/>
+        </p:spPr>
+        <p:txBody>
+          <a:bodyPr wrap="none" lIns="91440" tIns="45720" rIns="91440" bIns="45720">
+            <a:spAutoFit/>
+          </a:bodyPr>
+          <a:lstStyle/>
+          <a:p>
+            <a:pPr algn="ctr"/>
+            <a:r>
+              <a:rPr lang="es-ES" sz="3600" b="0" cap="none" spc="0" dirty="0" smtClean="0">
+                <a:ln w="0"/>
+                <a:solidFill>
+                  <a:schemeClr val="tx1"/>
+                </a:solidFill>
+                <a:effectLst>
+                  <a:outerShdw blurRad="38100" dist="19050" dir="2700000" algn="tl" rotWithShape="0">
+                    <a:schemeClr val="dk1">
+                      <a:alpha val="40000"/>
+                    </a:schemeClr>
+                  </a:outerShdw>
+                </a:effectLst>
+              </a:rPr>
+              <a:t>Propuesta 1</a:t>
+            </a:r>
+            <a:endParaRPr lang="es-ES" sz="3600" b="0" cap="none" spc="0" dirty="0">
+              <a:ln w="0"/>
+              <a:solidFill>
+                <a:schemeClr val="tx1"/>
+              </a:solidFill>
+              <a:effectLst>
+                <a:outerShdw blurRad="38100" dist="19050" dir="2700000" algn="tl" rotWithShape="0">
+                  <a:schemeClr val="dk1">
+                    <a:alpha val="40000"/>
+                  </a:schemeClr>
+                </a:outerShdw>
+              </a:effectLst>
+            </a:endParaRPr>
+          </a:p>
+        </p:txBody>
+      </p:sp>
     </p:spTree>
     <p:extLst>
       <p:ext uri="{BB962C8B-B14F-4D97-AF65-F5344CB8AC3E}">
         <p14:creationId xmlns:p14="http://schemas.microsoft.com/office/powerpoint/2010/main" val="2977949269"/>
+      </p:ext>
+    </p:extLst>
+  </p:cSld>
+  <p:clrMapOvr>
+    <a:masterClrMapping/>
+  </p:clrMapOvr>
+</p:sld>
+</file>
+
+<file path=ppt/slides/slide2.xml><?xml version="1.0" encoding="utf-8"?>
+<p:sld xmlns:a="http://schemas.openxmlformats.org/drawingml/2006/main" xmlns:r="http://schemas.openxmlformats.org/officeDocument/2006/relationships" xmlns:p="http://schemas.openxmlformats.org/presentationml/2006/main">
+  <p:cSld>
+    <p:spTree>
+      <p:nvGrpSpPr>
+        <p:cNvPr id="1" name=""/>
+        <p:cNvGrpSpPr/>
+        <p:nvPr/>
+      </p:nvGrpSpPr>
+      <p:grpSpPr>
+        <a:xfrm>
+          <a:off x="0" y="0"/>
+          <a:ext cx="0" cy="0"/>
+          <a:chOff x="0" y="0"/>
+          <a:chExt cx="0" cy="0"/>
+        </a:xfrm>
+      </p:grpSpPr>
+      <p:sp>
+        <p:nvSpPr>
+          <p:cNvPr id="4" name="Rectángulo 3"/>
+          <p:cNvSpPr/>
+          <p:nvPr/>
+        </p:nvSpPr>
+        <p:spPr>
+          <a:xfrm>
+            <a:off x="562062" y="293615"/>
+            <a:ext cx="11199303" cy="729842"/>
+          </a:xfrm>
+          <a:prstGeom prst="rect">
+            <a:avLst/>
+          </a:prstGeom>
+        </p:spPr>
+        <p:style>
+          <a:lnRef idx="2">
+            <a:schemeClr val="accent1">
+              <a:shade val="50000"/>
+            </a:schemeClr>
+          </a:lnRef>
+          <a:fillRef idx="1">
+            <a:schemeClr val="accent1"/>
+          </a:fillRef>
+          <a:effectRef idx="0">
+            <a:schemeClr val="accent1"/>
+          </a:effectRef>
+          <a:fontRef idx="minor">
+            <a:schemeClr val="lt1"/>
+          </a:fontRef>
+        </p:style>
+        <p:txBody>
+          <a:bodyPr rtlCol="0" anchor="ctr"/>
+          <a:lstStyle/>
+          <a:p>
+            <a:pPr algn="ctr"/>
+            <a:endParaRPr lang="en-US"/>
+          </a:p>
+        </p:txBody>
+      </p:sp>
+      <p:sp>
+        <p:nvSpPr>
+          <p:cNvPr id="6" name="Rectángulo 5"/>
+          <p:cNvSpPr/>
+          <p:nvPr/>
+        </p:nvSpPr>
+        <p:spPr>
+          <a:xfrm>
+            <a:off x="763398" y="356948"/>
+            <a:ext cx="10813409" cy="603175"/>
+          </a:xfrm>
+          <a:prstGeom prst="rect">
+            <a:avLst/>
+          </a:prstGeom>
+          <a:solidFill>
+            <a:schemeClr val="accent6"/>
+          </a:solidFill>
+        </p:spPr>
+        <p:style>
+          <a:lnRef idx="2">
+            <a:schemeClr val="accent1">
+              <a:shade val="50000"/>
+            </a:schemeClr>
+          </a:lnRef>
+          <a:fillRef idx="1">
+            <a:schemeClr val="accent1"/>
+          </a:fillRef>
+          <a:effectRef idx="0">
+            <a:schemeClr val="accent1"/>
+          </a:effectRef>
+          <a:fontRef idx="minor">
+            <a:schemeClr val="lt1"/>
+          </a:fontRef>
+        </p:style>
+        <p:txBody>
+          <a:bodyPr rtlCol="0" anchor="ctr"/>
+          <a:lstStyle/>
+          <a:p>
+            <a:pPr algn="ctr"/>
+            <a:r>
+              <a:rPr lang="es-MX" dirty="0" err="1" smtClean="0"/>
+              <a:t>Header</a:t>
+            </a:r>
+            <a:endParaRPr lang="en-US" dirty="0"/>
+          </a:p>
+        </p:txBody>
+      </p:sp>
+      <p:sp>
+        <p:nvSpPr>
+          <p:cNvPr id="7" name="Rectángulo 6"/>
+          <p:cNvSpPr/>
+          <p:nvPr/>
+        </p:nvSpPr>
+        <p:spPr>
+          <a:xfrm>
+            <a:off x="947955" y="450700"/>
+            <a:ext cx="1468074" cy="360727"/>
+          </a:xfrm>
+          <a:prstGeom prst="rect">
+            <a:avLst/>
+          </a:prstGeom>
+        </p:spPr>
+        <p:style>
+          <a:lnRef idx="2">
+            <a:schemeClr val="accent2">
+              <a:shade val="50000"/>
+            </a:schemeClr>
+          </a:lnRef>
+          <a:fillRef idx="1">
+            <a:schemeClr val="accent2"/>
+          </a:fillRef>
+          <a:effectRef idx="0">
+            <a:schemeClr val="accent2"/>
+          </a:effectRef>
+          <a:fontRef idx="minor">
+            <a:schemeClr val="lt1"/>
+          </a:fontRef>
+        </p:style>
+        <p:txBody>
+          <a:bodyPr rtlCol="0" anchor="ctr"/>
+          <a:lstStyle/>
+          <a:p>
+            <a:pPr algn="ctr"/>
+            <a:r>
+              <a:rPr lang="es-MX" dirty="0" err="1" smtClean="0"/>
+              <a:t>Img</a:t>
+            </a:r>
+            <a:endParaRPr lang="en-US" dirty="0"/>
+          </a:p>
+        </p:txBody>
+      </p:sp>
+      <p:sp>
+        <p:nvSpPr>
+          <p:cNvPr id="8" name="Rectángulo 7"/>
+          <p:cNvSpPr/>
+          <p:nvPr/>
+        </p:nvSpPr>
+        <p:spPr>
+          <a:xfrm>
+            <a:off x="562062" y="1117209"/>
+            <a:ext cx="5647889" cy="1567268"/>
+          </a:xfrm>
+          <a:prstGeom prst="rect">
+            <a:avLst/>
+          </a:prstGeom>
+          <a:solidFill>
+            <a:schemeClr val="accent1">
+              <a:lumMod val="60000"/>
+              <a:lumOff val="40000"/>
+            </a:schemeClr>
+          </a:solidFill>
+        </p:spPr>
+        <p:style>
+          <a:lnRef idx="2">
+            <a:schemeClr val="accent1">
+              <a:shade val="50000"/>
+            </a:schemeClr>
+          </a:lnRef>
+          <a:fillRef idx="1">
+            <a:schemeClr val="accent1"/>
+          </a:fillRef>
+          <a:effectRef idx="0">
+            <a:schemeClr val="accent1"/>
+          </a:effectRef>
+          <a:fontRef idx="minor">
+            <a:schemeClr val="lt1"/>
+          </a:fontRef>
+        </p:style>
+        <p:txBody>
+          <a:bodyPr rtlCol="0" anchor="ctr"/>
+          <a:lstStyle/>
+          <a:p>
+            <a:pPr algn="ctr"/>
+            <a:endParaRPr lang="en-US" dirty="0"/>
+          </a:p>
+        </p:txBody>
+      </p:sp>
+      <p:sp>
+        <p:nvSpPr>
+          <p:cNvPr id="9" name="Rectángulo 8"/>
+          <p:cNvSpPr/>
+          <p:nvPr/>
+        </p:nvSpPr>
+        <p:spPr>
+          <a:xfrm>
+            <a:off x="562062" y="2787884"/>
+            <a:ext cx="11199303" cy="3847808"/>
+          </a:xfrm>
+          <a:prstGeom prst="rect">
+            <a:avLst/>
+          </a:prstGeom>
+          <a:solidFill>
+            <a:schemeClr val="accent6">
+              <a:lumMod val="60000"/>
+              <a:lumOff val="40000"/>
+            </a:schemeClr>
+          </a:solidFill>
+        </p:spPr>
+        <p:style>
+          <a:lnRef idx="2">
+            <a:schemeClr val="accent1">
+              <a:shade val="50000"/>
+            </a:schemeClr>
+          </a:lnRef>
+          <a:fillRef idx="1">
+            <a:schemeClr val="accent1"/>
+          </a:fillRef>
+          <a:effectRef idx="0">
+            <a:schemeClr val="accent1"/>
+          </a:effectRef>
+          <a:fontRef idx="minor">
+            <a:schemeClr val="lt1"/>
+          </a:fontRef>
+        </p:style>
+        <p:txBody>
+          <a:bodyPr rtlCol="0" anchor="ctr"/>
+          <a:lstStyle/>
+          <a:p>
+            <a:pPr algn="ctr"/>
+            <a:r>
+              <a:rPr lang="es-MX" u="sng" dirty="0" smtClean="0"/>
+              <a:t>Resultados</a:t>
+            </a:r>
+            <a:endParaRPr lang="en-US" u="sng" dirty="0"/>
+          </a:p>
+        </p:txBody>
+      </p:sp>
+      <p:sp>
+        <p:nvSpPr>
+          <p:cNvPr id="10" name="Rectángulo 9"/>
+          <p:cNvSpPr/>
+          <p:nvPr/>
+        </p:nvSpPr>
+        <p:spPr>
+          <a:xfrm>
+            <a:off x="763398" y="1192782"/>
+            <a:ext cx="1468074" cy="360727"/>
+          </a:xfrm>
+          <a:prstGeom prst="rect">
+            <a:avLst/>
+          </a:prstGeom>
+        </p:spPr>
+        <p:style>
+          <a:lnRef idx="2">
+            <a:schemeClr val="accent2">
+              <a:shade val="50000"/>
+            </a:schemeClr>
+          </a:lnRef>
+          <a:fillRef idx="1">
+            <a:schemeClr val="accent2"/>
+          </a:fillRef>
+          <a:effectRef idx="0">
+            <a:schemeClr val="accent2"/>
+          </a:effectRef>
+          <a:fontRef idx="minor">
+            <a:schemeClr val="lt1"/>
+          </a:fontRef>
+        </p:style>
+        <p:txBody>
+          <a:bodyPr rtlCol="0" anchor="ctr"/>
+          <a:lstStyle/>
+          <a:p>
+            <a:pPr algn="ctr"/>
+            <a:r>
+              <a:rPr lang="es-MX" dirty="0" smtClean="0"/>
+              <a:t>h1</a:t>
+            </a:r>
+            <a:endParaRPr lang="en-US" dirty="0"/>
+          </a:p>
+        </p:txBody>
+      </p:sp>
+      <p:sp>
+        <p:nvSpPr>
+          <p:cNvPr id="11" name="Rectángulo 10"/>
+          <p:cNvSpPr/>
+          <p:nvPr/>
+        </p:nvSpPr>
+        <p:spPr>
+          <a:xfrm>
+            <a:off x="763398" y="1636824"/>
+            <a:ext cx="5216554" cy="777551"/>
+          </a:xfrm>
+          <a:prstGeom prst="rect">
+            <a:avLst/>
+          </a:prstGeom>
+        </p:spPr>
+        <p:style>
+          <a:lnRef idx="2">
+            <a:schemeClr val="accent2">
+              <a:shade val="50000"/>
+            </a:schemeClr>
+          </a:lnRef>
+          <a:fillRef idx="1">
+            <a:schemeClr val="accent2"/>
+          </a:fillRef>
+          <a:effectRef idx="0">
+            <a:schemeClr val="accent2"/>
+          </a:effectRef>
+          <a:fontRef idx="minor">
+            <a:schemeClr val="lt1"/>
+          </a:fontRef>
+        </p:style>
+        <p:txBody>
+          <a:bodyPr rtlCol="0" anchor="ctr"/>
+          <a:lstStyle/>
+          <a:p>
+            <a:pPr algn="ctr"/>
+            <a:r>
+              <a:rPr lang="es-MX" dirty="0" smtClean="0"/>
+              <a:t>P</a:t>
+            </a:r>
+            <a:endParaRPr lang="en-US" dirty="0"/>
+          </a:p>
+        </p:txBody>
+      </p:sp>
+      <p:sp>
+        <p:nvSpPr>
+          <p:cNvPr id="15" name="Rectángulo 14"/>
+          <p:cNvSpPr/>
+          <p:nvPr/>
+        </p:nvSpPr>
+        <p:spPr>
+          <a:xfrm>
+            <a:off x="6209952" y="1117209"/>
+            <a:ext cx="5583920" cy="1567268"/>
+          </a:xfrm>
+          <a:prstGeom prst="rect">
+            <a:avLst/>
+          </a:prstGeom>
+          <a:solidFill>
+            <a:schemeClr val="accent2">
+              <a:lumMod val="40000"/>
+              <a:lumOff val="60000"/>
+            </a:schemeClr>
+          </a:solidFill>
+        </p:spPr>
+        <p:style>
+          <a:lnRef idx="2">
+            <a:schemeClr val="accent1">
+              <a:shade val="50000"/>
+            </a:schemeClr>
+          </a:lnRef>
+          <a:fillRef idx="1">
+            <a:schemeClr val="accent1"/>
+          </a:fillRef>
+          <a:effectRef idx="0">
+            <a:schemeClr val="accent1"/>
+          </a:effectRef>
+          <a:fontRef idx="minor">
+            <a:schemeClr val="lt1"/>
+          </a:fontRef>
+        </p:style>
+        <p:txBody>
+          <a:bodyPr rtlCol="0" anchor="ctr"/>
+          <a:lstStyle/>
+          <a:p>
+            <a:pPr algn="ctr"/>
+            <a:endParaRPr lang="en-US"/>
+          </a:p>
+        </p:txBody>
+      </p:sp>
+      <p:sp>
+        <p:nvSpPr>
+          <p:cNvPr id="12" name="Rectángulo 11"/>
+          <p:cNvSpPr/>
+          <p:nvPr/>
+        </p:nvSpPr>
+        <p:spPr>
+          <a:xfrm>
+            <a:off x="6411287" y="2021048"/>
+            <a:ext cx="2648126" cy="360727"/>
+          </a:xfrm>
+          <a:prstGeom prst="rect">
+            <a:avLst/>
+          </a:prstGeom>
+        </p:spPr>
+        <p:style>
+          <a:lnRef idx="2">
+            <a:schemeClr val="accent2">
+              <a:shade val="50000"/>
+            </a:schemeClr>
+          </a:lnRef>
+          <a:fillRef idx="1">
+            <a:schemeClr val="accent2"/>
+          </a:fillRef>
+          <a:effectRef idx="0">
+            <a:schemeClr val="accent2"/>
+          </a:effectRef>
+          <a:fontRef idx="minor">
+            <a:schemeClr val="lt1"/>
+          </a:fontRef>
+        </p:style>
+        <p:txBody>
+          <a:bodyPr rtlCol="0" anchor="ctr"/>
+          <a:lstStyle/>
+          <a:p>
+            <a:pPr algn="ctr"/>
+            <a:r>
+              <a:rPr lang="es-MX" dirty="0" smtClean="0"/>
+              <a:t>Input</a:t>
+            </a:r>
+            <a:endParaRPr lang="en-US" dirty="0"/>
+          </a:p>
+        </p:txBody>
+      </p:sp>
+      <p:sp>
+        <p:nvSpPr>
+          <p:cNvPr id="13" name="Rectángulo 12"/>
+          <p:cNvSpPr/>
+          <p:nvPr/>
+        </p:nvSpPr>
+        <p:spPr>
+          <a:xfrm>
+            <a:off x="9203247" y="2021048"/>
+            <a:ext cx="1003884" cy="360727"/>
+          </a:xfrm>
+          <a:prstGeom prst="rect">
+            <a:avLst/>
+          </a:prstGeom>
+        </p:spPr>
+        <p:style>
+          <a:lnRef idx="2">
+            <a:schemeClr val="accent2">
+              <a:shade val="50000"/>
+            </a:schemeClr>
+          </a:lnRef>
+          <a:fillRef idx="1">
+            <a:schemeClr val="accent2"/>
+          </a:fillRef>
+          <a:effectRef idx="0">
+            <a:schemeClr val="accent2"/>
+          </a:effectRef>
+          <a:fontRef idx="minor">
+            <a:schemeClr val="lt1"/>
+          </a:fontRef>
+        </p:style>
+        <p:txBody>
+          <a:bodyPr rtlCol="0" anchor="ctr"/>
+          <a:lstStyle/>
+          <a:p>
+            <a:pPr algn="ctr"/>
+            <a:r>
+              <a:rPr lang="es-MX" dirty="0" err="1" smtClean="0"/>
+              <a:t>Button</a:t>
+            </a:r>
+            <a:endParaRPr lang="en-US" dirty="0"/>
+          </a:p>
+        </p:txBody>
+      </p:sp>
+      <p:sp>
+        <p:nvSpPr>
+          <p:cNvPr id="14" name="Rectángulo 13"/>
+          <p:cNvSpPr/>
+          <p:nvPr/>
+        </p:nvSpPr>
+        <p:spPr>
+          <a:xfrm>
+            <a:off x="10417464" y="2022648"/>
+            <a:ext cx="1003884" cy="360727"/>
+          </a:xfrm>
+          <a:prstGeom prst="rect">
+            <a:avLst/>
+          </a:prstGeom>
+        </p:spPr>
+        <p:style>
+          <a:lnRef idx="2">
+            <a:schemeClr val="accent2">
+              <a:shade val="50000"/>
+            </a:schemeClr>
+          </a:lnRef>
+          <a:fillRef idx="1">
+            <a:schemeClr val="accent2"/>
+          </a:fillRef>
+          <a:effectRef idx="0">
+            <a:schemeClr val="accent2"/>
+          </a:effectRef>
+          <a:fontRef idx="minor">
+            <a:schemeClr val="lt1"/>
+          </a:fontRef>
+        </p:style>
+        <p:txBody>
+          <a:bodyPr rtlCol="0" anchor="ctr"/>
+          <a:lstStyle/>
+          <a:p>
+            <a:pPr algn="ctr"/>
+            <a:r>
+              <a:rPr lang="es-MX" dirty="0" err="1" smtClean="0"/>
+              <a:t>Button</a:t>
+            </a:r>
+            <a:endParaRPr lang="en-US" dirty="0"/>
+          </a:p>
+        </p:txBody>
+      </p:sp>
+      <p:sp>
+        <p:nvSpPr>
+          <p:cNvPr id="16" name="Rectángulo 15"/>
+          <p:cNvSpPr/>
+          <p:nvPr/>
+        </p:nvSpPr>
+        <p:spPr>
+          <a:xfrm>
+            <a:off x="8474277" y="499758"/>
+            <a:ext cx="1468074" cy="360727"/>
+          </a:xfrm>
+          <a:prstGeom prst="rect">
+            <a:avLst/>
+          </a:prstGeom>
+        </p:spPr>
+        <p:style>
+          <a:lnRef idx="2">
+            <a:schemeClr val="accent2">
+              <a:shade val="50000"/>
+            </a:schemeClr>
+          </a:lnRef>
+          <a:fillRef idx="1">
+            <a:schemeClr val="accent2"/>
+          </a:fillRef>
+          <a:effectRef idx="0">
+            <a:schemeClr val="accent2"/>
+          </a:effectRef>
+          <a:fontRef idx="minor">
+            <a:schemeClr val="lt1"/>
+          </a:fontRef>
+        </p:style>
+        <p:txBody>
+          <a:bodyPr rtlCol="0" anchor="ctr"/>
+          <a:lstStyle/>
+          <a:p>
+            <a:pPr algn="ctr"/>
+            <a:r>
+              <a:rPr lang="es-MX" dirty="0" smtClean="0"/>
+              <a:t>a</a:t>
+            </a:r>
+            <a:endParaRPr lang="en-US" dirty="0"/>
+          </a:p>
+        </p:txBody>
+      </p:sp>
+      <p:sp>
+        <p:nvSpPr>
+          <p:cNvPr id="17" name="Rectángulo 16"/>
+          <p:cNvSpPr/>
+          <p:nvPr/>
+        </p:nvSpPr>
+        <p:spPr>
+          <a:xfrm>
+            <a:off x="10025542" y="497207"/>
+            <a:ext cx="1468074" cy="360727"/>
+          </a:xfrm>
+          <a:prstGeom prst="rect">
+            <a:avLst/>
+          </a:prstGeom>
+        </p:spPr>
+        <p:style>
+          <a:lnRef idx="2">
+            <a:schemeClr val="accent2">
+              <a:shade val="50000"/>
+            </a:schemeClr>
+          </a:lnRef>
+          <a:fillRef idx="1">
+            <a:schemeClr val="accent2"/>
+          </a:fillRef>
+          <a:effectRef idx="0">
+            <a:schemeClr val="accent2"/>
+          </a:effectRef>
+          <a:fontRef idx="minor">
+            <a:schemeClr val="lt1"/>
+          </a:fontRef>
+        </p:style>
+        <p:txBody>
+          <a:bodyPr rtlCol="0" anchor="ctr"/>
+          <a:lstStyle/>
+          <a:p>
+            <a:pPr algn="ctr"/>
+            <a:r>
+              <a:rPr lang="es-MX" dirty="0" smtClean="0"/>
+              <a:t>a</a:t>
+            </a:r>
+            <a:endParaRPr lang="en-US" dirty="0"/>
+          </a:p>
+        </p:txBody>
+      </p:sp>
+      <p:sp>
+        <p:nvSpPr>
+          <p:cNvPr id="18" name="CuadroTexto 17"/>
+          <p:cNvSpPr txBox="1"/>
+          <p:nvPr/>
+        </p:nvSpPr>
+        <p:spPr>
+          <a:xfrm>
+            <a:off x="2617365" y="477775"/>
+            <a:ext cx="679738" cy="369332"/>
+          </a:xfrm>
+          <a:prstGeom prst="rect">
+            <a:avLst/>
+          </a:prstGeom>
+          <a:noFill/>
+        </p:spPr>
+        <p:txBody>
+          <a:bodyPr wrap="none" rtlCol="0">
+            <a:spAutoFit/>
+          </a:bodyPr>
+          <a:lstStyle/>
+          <a:p>
+            <a:r>
+              <a:rPr lang="es-MX" dirty="0" smtClean="0"/>
+              <a:t>Jorge</a:t>
+            </a:r>
+            <a:endParaRPr lang="en-US" dirty="0"/>
+          </a:p>
+        </p:txBody>
+      </p:sp>
+      <p:sp>
+        <p:nvSpPr>
+          <p:cNvPr id="19" name="CuadroTexto 18"/>
+          <p:cNvSpPr txBox="1"/>
+          <p:nvPr/>
+        </p:nvSpPr>
+        <p:spPr>
+          <a:xfrm>
+            <a:off x="2715010" y="1220616"/>
+            <a:ext cx="1003801" cy="369332"/>
+          </a:xfrm>
+          <a:prstGeom prst="rect">
+            <a:avLst/>
+          </a:prstGeom>
+          <a:noFill/>
+        </p:spPr>
+        <p:txBody>
+          <a:bodyPr wrap="none" rtlCol="0">
+            <a:spAutoFit/>
+          </a:bodyPr>
+          <a:lstStyle/>
+          <a:p>
+            <a:r>
+              <a:rPr lang="es-MX" dirty="0" smtClean="0"/>
+              <a:t>Emanuel</a:t>
+            </a:r>
+            <a:endParaRPr lang="en-US" dirty="0"/>
+          </a:p>
+        </p:txBody>
+      </p:sp>
+      <p:sp>
+        <p:nvSpPr>
+          <p:cNvPr id="20" name="CuadroTexto 19"/>
+          <p:cNvSpPr txBox="1"/>
+          <p:nvPr/>
+        </p:nvSpPr>
+        <p:spPr>
+          <a:xfrm>
+            <a:off x="8645243" y="1341497"/>
+            <a:ext cx="713337" cy="369332"/>
+          </a:xfrm>
+          <a:prstGeom prst="rect">
+            <a:avLst/>
+          </a:prstGeom>
+          <a:noFill/>
+        </p:spPr>
+        <p:txBody>
+          <a:bodyPr wrap="none" rtlCol="0">
+            <a:spAutoFit/>
+          </a:bodyPr>
+          <a:lstStyle/>
+          <a:p>
+            <a:r>
+              <a:rPr lang="es-MX" dirty="0" smtClean="0"/>
+              <a:t>Oscar</a:t>
+            </a:r>
+            <a:endParaRPr lang="en-US" dirty="0"/>
+          </a:p>
+        </p:txBody>
+      </p:sp>
+      <p:sp>
+        <p:nvSpPr>
+          <p:cNvPr id="3" name="Rectángulo 2"/>
+          <p:cNvSpPr/>
+          <p:nvPr/>
+        </p:nvSpPr>
+        <p:spPr>
+          <a:xfrm>
+            <a:off x="943266" y="3148770"/>
+            <a:ext cx="2788170" cy="3192905"/>
+          </a:xfrm>
+          <a:prstGeom prst="rect">
+            <a:avLst/>
+          </a:prstGeom>
+          <a:solidFill>
+            <a:schemeClr val="bg1">
+              <a:lumMod val="75000"/>
+            </a:schemeClr>
+          </a:solidFill>
+        </p:spPr>
+        <p:style>
+          <a:lnRef idx="2">
+            <a:schemeClr val="accent1">
+              <a:shade val="50000"/>
+            </a:schemeClr>
+          </a:lnRef>
+          <a:fillRef idx="1">
+            <a:schemeClr val="accent1"/>
+          </a:fillRef>
+          <a:effectRef idx="0">
+            <a:schemeClr val="accent1"/>
+          </a:effectRef>
+          <a:fontRef idx="minor">
+            <a:schemeClr val="lt1"/>
+          </a:fontRef>
+        </p:style>
+        <p:txBody>
+          <a:bodyPr rtlCol="0" anchor="ctr"/>
+          <a:lstStyle/>
+          <a:p>
+            <a:pPr algn="ctr"/>
+            <a:endParaRPr lang="en-US"/>
+          </a:p>
+        </p:txBody>
+      </p:sp>
+      <p:sp>
+        <p:nvSpPr>
+          <p:cNvPr id="21" name="Rectángulo 20"/>
+          <p:cNvSpPr/>
+          <p:nvPr/>
+        </p:nvSpPr>
+        <p:spPr>
+          <a:xfrm>
+            <a:off x="4627185" y="3148769"/>
+            <a:ext cx="2788170" cy="3192905"/>
+          </a:xfrm>
+          <a:prstGeom prst="rect">
+            <a:avLst/>
+          </a:prstGeom>
+          <a:solidFill>
+            <a:schemeClr val="bg1">
+              <a:lumMod val="75000"/>
+            </a:schemeClr>
+          </a:solidFill>
+        </p:spPr>
+        <p:style>
+          <a:lnRef idx="2">
+            <a:schemeClr val="accent1">
+              <a:shade val="50000"/>
+            </a:schemeClr>
+          </a:lnRef>
+          <a:fillRef idx="1">
+            <a:schemeClr val="accent1"/>
+          </a:fillRef>
+          <a:effectRef idx="0">
+            <a:schemeClr val="accent1"/>
+          </a:effectRef>
+          <a:fontRef idx="minor">
+            <a:schemeClr val="lt1"/>
+          </a:fontRef>
+        </p:style>
+        <p:txBody>
+          <a:bodyPr rtlCol="0" anchor="ctr"/>
+          <a:lstStyle/>
+          <a:p>
+            <a:pPr algn="ctr"/>
+            <a:endParaRPr lang="en-US"/>
+          </a:p>
+        </p:txBody>
+      </p:sp>
+      <p:sp>
+        <p:nvSpPr>
+          <p:cNvPr id="22" name="Rectángulo 21"/>
+          <p:cNvSpPr/>
+          <p:nvPr/>
+        </p:nvSpPr>
+        <p:spPr>
+          <a:xfrm>
+            <a:off x="8311104" y="3115335"/>
+            <a:ext cx="2788170" cy="3192905"/>
+          </a:xfrm>
+          <a:prstGeom prst="rect">
+            <a:avLst/>
+          </a:prstGeom>
+          <a:solidFill>
+            <a:schemeClr val="bg1">
+              <a:lumMod val="75000"/>
+            </a:schemeClr>
+          </a:solidFill>
+        </p:spPr>
+        <p:style>
+          <a:lnRef idx="2">
+            <a:schemeClr val="accent1">
+              <a:shade val="50000"/>
+            </a:schemeClr>
+          </a:lnRef>
+          <a:fillRef idx="1">
+            <a:schemeClr val="accent1"/>
+          </a:fillRef>
+          <a:effectRef idx="0">
+            <a:schemeClr val="accent1"/>
+          </a:effectRef>
+          <a:fontRef idx="minor">
+            <a:schemeClr val="lt1"/>
+          </a:fontRef>
+        </p:style>
+        <p:txBody>
+          <a:bodyPr rtlCol="0" anchor="ctr"/>
+          <a:lstStyle/>
+          <a:p>
+            <a:pPr algn="ctr"/>
+            <a:endParaRPr lang="en-US"/>
+          </a:p>
+        </p:txBody>
+      </p:sp>
+      <p:sp>
+        <p:nvSpPr>
+          <p:cNvPr id="23" name="Rectángulo 22"/>
+          <p:cNvSpPr/>
+          <p:nvPr/>
+        </p:nvSpPr>
+        <p:spPr>
+          <a:xfrm>
+            <a:off x="9156921" y="5765316"/>
+            <a:ext cx="2417008" cy="646331"/>
+          </a:xfrm>
+          <a:prstGeom prst="rect">
+            <a:avLst/>
+          </a:prstGeom>
+          <a:noFill/>
+        </p:spPr>
+        <p:txBody>
+          <a:bodyPr wrap="none" lIns="91440" tIns="45720" rIns="91440" bIns="45720">
+            <a:spAutoFit/>
+          </a:bodyPr>
+          <a:lstStyle/>
+          <a:p>
+            <a:pPr algn="ctr"/>
+            <a:r>
+              <a:rPr lang="es-ES" sz="3600" b="0" cap="none" spc="0" dirty="0" smtClean="0">
+                <a:ln w="0"/>
+                <a:solidFill>
+                  <a:schemeClr val="tx1"/>
+                </a:solidFill>
+                <a:effectLst>
+                  <a:outerShdw blurRad="38100" dist="19050" dir="2700000" algn="tl" rotWithShape="0">
+                    <a:schemeClr val="dk1">
+                      <a:alpha val="40000"/>
+                    </a:schemeClr>
+                  </a:outerShdw>
+                </a:effectLst>
+              </a:rPr>
+              <a:t>Propuesta 2</a:t>
+            </a:r>
+            <a:endParaRPr lang="es-ES" sz="3600" b="0" cap="none" spc="0" dirty="0">
+              <a:ln w="0"/>
+              <a:solidFill>
+                <a:schemeClr val="tx1"/>
+              </a:solidFill>
+              <a:effectLst>
+                <a:outerShdw blurRad="38100" dist="19050" dir="2700000" algn="tl" rotWithShape="0">
+                  <a:schemeClr val="dk1">
+                    <a:alpha val="40000"/>
+                  </a:schemeClr>
+                </a:outerShdw>
+              </a:effectLst>
+            </a:endParaRPr>
+          </a:p>
+        </p:txBody>
+      </p:sp>
+    </p:spTree>
+    <p:extLst>
+      <p:ext uri="{BB962C8B-B14F-4D97-AF65-F5344CB8AC3E}">
+        <p14:creationId xmlns:p14="http://schemas.microsoft.com/office/powerpoint/2010/main" val="1057246579"/>
+      </p:ext>
+    </p:extLst>
+  </p:cSld>
+  <p:clrMapOvr>
+    <a:masterClrMapping/>
+  </p:clrMapOvr>
+</p:sld>
+</file>
+
+<file path=ppt/slides/slide3.xml><?xml version="1.0" encoding="utf-8"?>
+<p:sld xmlns:a="http://schemas.openxmlformats.org/drawingml/2006/main" xmlns:r="http://schemas.openxmlformats.org/officeDocument/2006/relationships" xmlns:p="http://schemas.openxmlformats.org/presentationml/2006/main">
+  <p:cSld>
+    <p:spTree>
+      <p:nvGrpSpPr>
+        <p:cNvPr id="1" name=""/>
+        <p:cNvGrpSpPr/>
+        <p:nvPr/>
+      </p:nvGrpSpPr>
+      <p:grpSpPr>
+        <a:xfrm>
+          <a:off x="0" y="0"/>
+          <a:ext cx="0" cy="0"/>
+          <a:chOff x="0" y="0"/>
+          <a:chExt cx="0" cy="0"/>
+        </a:xfrm>
+      </p:grpSpPr>
+      <p:sp>
+        <p:nvSpPr>
+          <p:cNvPr id="4" name="Rectángulo 3"/>
+          <p:cNvSpPr/>
+          <p:nvPr/>
+        </p:nvSpPr>
+        <p:spPr>
+          <a:xfrm>
+            <a:off x="562062" y="293615"/>
+            <a:ext cx="5849225" cy="729842"/>
+          </a:xfrm>
+          <a:prstGeom prst="rect">
+            <a:avLst/>
+          </a:prstGeom>
+        </p:spPr>
+        <p:style>
+          <a:lnRef idx="2">
+            <a:schemeClr val="accent1">
+              <a:shade val="50000"/>
+            </a:schemeClr>
+          </a:lnRef>
+          <a:fillRef idx="1">
+            <a:schemeClr val="accent1"/>
+          </a:fillRef>
+          <a:effectRef idx="0">
+            <a:schemeClr val="accent1"/>
+          </a:effectRef>
+          <a:fontRef idx="minor">
+            <a:schemeClr val="lt1"/>
+          </a:fontRef>
+        </p:style>
+        <p:txBody>
+          <a:bodyPr rtlCol="0" anchor="ctr"/>
+          <a:lstStyle/>
+          <a:p>
+            <a:pPr algn="ctr"/>
+            <a:endParaRPr lang="en-US"/>
+          </a:p>
+        </p:txBody>
+      </p:sp>
+      <p:sp>
+        <p:nvSpPr>
+          <p:cNvPr id="6" name="Rectángulo 5"/>
+          <p:cNvSpPr/>
+          <p:nvPr/>
+        </p:nvSpPr>
+        <p:spPr>
+          <a:xfrm>
+            <a:off x="763398" y="356948"/>
+            <a:ext cx="5446553" cy="603175"/>
+          </a:xfrm>
+          <a:prstGeom prst="rect">
+            <a:avLst/>
+          </a:prstGeom>
+          <a:solidFill>
+            <a:schemeClr val="accent6"/>
+          </a:solidFill>
+        </p:spPr>
+        <p:style>
+          <a:lnRef idx="2">
+            <a:schemeClr val="accent1">
+              <a:shade val="50000"/>
+            </a:schemeClr>
+          </a:lnRef>
+          <a:fillRef idx="1">
+            <a:schemeClr val="accent1"/>
+          </a:fillRef>
+          <a:effectRef idx="0">
+            <a:schemeClr val="accent1"/>
+          </a:effectRef>
+          <a:fontRef idx="minor">
+            <a:schemeClr val="lt1"/>
+          </a:fontRef>
+        </p:style>
+        <p:txBody>
+          <a:bodyPr rtlCol="0" anchor="ctr"/>
+          <a:lstStyle/>
+          <a:p>
+            <a:pPr algn="ctr"/>
+            <a:r>
+              <a:rPr lang="es-MX" dirty="0" err="1" smtClean="0"/>
+              <a:t>Header</a:t>
+            </a:r>
+            <a:endParaRPr lang="en-US" dirty="0"/>
+          </a:p>
+        </p:txBody>
+      </p:sp>
+      <p:sp>
+        <p:nvSpPr>
+          <p:cNvPr id="7" name="Rectángulo 6"/>
+          <p:cNvSpPr/>
+          <p:nvPr/>
+        </p:nvSpPr>
+        <p:spPr>
+          <a:xfrm>
+            <a:off x="947955" y="450700"/>
+            <a:ext cx="760924" cy="360727"/>
+          </a:xfrm>
+          <a:prstGeom prst="rect">
+            <a:avLst/>
+          </a:prstGeom>
+        </p:spPr>
+        <p:style>
+          <a:lnRef idx="2">
+            <a:schemeClr val="accent2">
+              <a:shade val="50000"/>
+            </a:schemeClr>
+          </a:lnRef>
+          <a:fillRef idx="1">
+            <a:schemeClr val="accent2"/>
+          </a:fillRef>
+          <a:effectRef idx="0">
+            <a:schemeClr val="accent2"/>
+          </a:effectRef>
+          <a:fontRef idx="minor">
+            <a:schemeClr val="lt1"/>
+          </a:fontRef>
+        </p:style>
+        <p:txBody>
+          <a:bodyPr rtlCol="0" anchor="ctr"/>
+          <a:lstStyle/>
+          <a:p>
+            <a:pPr algn="ctr"/>
+            <a:r>
+              <a:rPr lang="es-MX" dirty="0" err="1" smtClean="0"/>
+              <a:t>Img</a:t>
+            </a:r>
+            <a:endParaRPr lang="en-US" dirty="0"/>
+          </a:p>
+        </p:txBody>
+      </p:sp>
+      <p:sp>
+        <p:nvSpPr>
+          <p:cNvPr id="8" name="Rectángulo 7"/>
+          <p:cNvSpPr/>
+          <p:nvPr/>
+        </p:nvSpPr>
+        <p:spPr>
+          <a:xfrm>
+            <a:off x="562062" y="1117209"/>
+            <a:ext cx="5849224" cy="1567268"/>
+          </a:xfrm>
+          <a:prstGeom prst="rect">
+            <a:avLst/>
+          </a:prstGeom>
+          <a:solidFill>
+            <a:schemeClr val="accent1">
+              <a:lumMod val="60000"/>
+              <a:lumOff val="40000"/>
+            </a:schemeClr>
+          </a:solidFill>
+        </p:spPr>
+        <p:style>
+          <a:lnRef idx="2">
+            <a:schemeClr val="accent1">
+              <a:shade val="50000"/>
+            </a:schemeClr>
+          </a:lnRef>
+          <a:fillRef idx="1">
+            <a:schemeClr val="accent1"/>
+          </a:fillRef>
+          <a:effectRef idx="0">
+            <a:schemeClr val="accent1"/>
+          </a:effectRef>
+          <a:fontRef idx="minor">
+            <a:schemeClr val="lt1"/>
+          </a:fontRef>
+        </p:style>
+        <p:txBody>
+          <a:bodyPr rtlCol="0" anchor="ctr"/>
+          <a:lstStyle/>
+          <a:p>
+            <a:pPr algn="ctr"/>
+            <a:endParaRPr lang="en-US" dirty="0"/>
+          </a:p>
+        </p:txBody>
+      </p:sp>
+      <p:sp>
+        <p:nvSpPr>
+          <p:cNvPr id="9" name="Rectángulo 8"/>
+          <p:cNvSpPr/>
+          <p:nvPr/>
+        </p:nvSpPr>
+        <p:spPr>
+          <a:xfrm>
+            <a:off x="562063" y="3972392"/>
+            <a:ext cx="5849224" cy="2753239"/>
+          </a:xfrm>
+          <a:prstGeom prst="rect">
+            <a:avLst/>
+          </a:prstGeom>
+          <a:solidFill>
+            <a:schemeClr val="accent6">
+              <a:lumMod val="60000"/>
+              <a:lumOff val="40000"/>
+            </a:schemeClr>
+          </a:solidFill>
+        </p:spPr>
+        <p:style>
+          <a:lnRef idx="2">
+            <a:schemeClr val="accent1">
+              <a:shade val="50000"/>
+            </a:schemeClr>
+          </a:lnRef>
+          <a:fillRef idx="1">
+            <a:schemeClr val="accent1"/>
+          </a:fillRef>
+          <a:effectRef idx="0">
+            <a:schemeClr val="accent1"/>
+          </a:effectRef>
+          <a:fontRef idx="minor">
+            <a:schemeClr val="lt1"/>
+          </a:fontRef>
+        </p:style>
+        <p:txBody>
+          <a:bodyPr rtlCol="0" anchor="ctr"/>
+          <a:lstStyle/>
+          <a:p>
+            <a:pPr algn="ctr"/>
+            <a:r>
+              <a:rPr lang="es-MX" u="sng" dirty="0" smtClean="0"/>
+              <a:t>Resultados</a:t>
+            </a:r>
+            <a:endParaRPr lang="en-US" u="sng" dirty="0"/>
+          </a:p>
+        </p:txBody>
+      </p:sp>
+      <p:sp>
+        <p:nvSpPr>
+          <p:cNvPr id="10" name="Rectángulo 9"/>
+          <p:cNvSpPr/>
+          <p:nvPr/>
+        </p:nvSpPr>
+        <p:spPr>
+          <a:xfrm>
+            <a:off x="763398" y="1192782"/>
+            <a:ext cx="1468074" cy="360727"/>
+          </a:xfrm>
+          <a:prstGeom prst="rect">
+            <a:avLst/>
+          </a:prstGeom>
+        </p:spPr>
+        <p:style>
+          <a:lnRef idx="2">
+            <a:schemeClr val="accent2">
+              <a:shade val="50000"/>
+            </a:schemeClr>
+          </a:lnRef>
+          <a:fillRef idx="1">
+            <a:schemeClr val="accent2"/>
+          </a:fillRef>
+          <a:effectRef idx="0">
+            <a:schemeClr val="accent2"/>
+          </a:effectRef>
+          <a:fontRef idx="minor">
+            <a:schemeClr val="lt1"/>
+          </a:fontRef>
+        </p:style>
+        <p:txBody>
+          <a:bodyPr rtlCol="0" anchor="ctr"/>
+          <a:lstStyle/>
+          <a:p>
+            <a:pPr algn="ctr"/>
+            <a:r>
+              <a:rPr lang="es-MX" dirty="0" smtClean="0"/>
+              <a:t>h1</a:t>
+            </a:r>
+            <a:endParaRPr lang="en-US" dirty="0"/>
+          </a:p>
+        </p:txBody>
+      </p:sp>
+      <p:sp>
+        <p:nvSpPr>
+          <p:cNvPr id="11" name="Rectángulo 10"/>
+          <p:cNvSpPr/>
+          <p:nvPr/>
+        </p:nvSpPr>
+        <p:spPr>
+          <a:xfrm>
+            <a:off x="763398" y="1636824"/>
+            <a:ext cx="5216554" cy="777551"/>
+          </a:xfrm>
+          <a:prstGeom prst="rect">
+            <a:avLst/>
+          </a:prstGeom>
+        </p:spPr>
+        <p:style>
+          <a:lnRef idx="2">
+            <a:schemeClr val="accent2">
+              <a:shade val="50000"/>
+            </a:schemeClr>
+          </a:lnRef>
+          <a:fillRef idx="1">
+            <a:schemeClr val="accent2"/>
+          </a:fillRef>
+          <a:effectRef idx="0">
+            <a:schemeClr val="accent2"/>
+          </a:effectRef>
+          <a:fontRef idx="minor">
+            <a:schemeClr val="lt1"/>
+          </a:fontRef>
+        </p:style>
+        <p:txBody>
+          <a:bodyPr rtlCol="0" anchor="ctr"/>
+          <a:lstStyle/>
+          <a:p>
+            <a:pPr algn="ctr"/>
+            <a:r>
+              <a:rPr lang="es-MX" dirty="0" smtClean="0"/>
+              <a:t>P</a:t>
+            </a:r>
+            <a:endParaRPr lang="en-US" dirty="0"/>
+          </a:p>
+        </p:txBody>
+      </p:sp>
+      <p:sp>
+        <p:nvSpPr>
+          <p:cNvPr id="15" name="Rectángulo 14"/>
+          <p:cNvSpPr/>
+          <p:nvPr/>
+        </p:nvSpPr>
+        <p:spPr>
+          <a:xfrm>
+            <a:off x="562061" y="2822394"/>
+            <a:ext cx="5849225" cy="973648"/>
+          </a:xfrm>
+          <a:prstGeom prst="rect">
+            <a:avLst/>
+          </a:prstGeom>
+          <a:solidFill>
+            <a:schemeClr val="accent2">
+              <a:lumMod val="40000"/>
+              <a:lumOff val="60000"/>
+            </a:schemeClr>
+          </a:solidFill>
+        </p:spPr>
+        <p:style>
+          <a:lnRef idx="2">
+            <a:schemeClr val="accent1">
+              <a:shade val="50000"/>
+            </a:schemeClr>
+          </a:lnRef>
+          <a:fillRef idx="1">
+            <a:schemeClr val="accent1"/>
+          </a:fillRef>
+          <a:effectRef idx="0">
+            <a:schemeClr val="accent1"/>
+          </a:effectRef>
+          <a:fontRef idx="minor">
+            <a:schemeClr val="lt1"/>
+          </a:fontRef>
+        </p:style>
+        <p:txBody>
+          <a:bodyPr rtlCol="0" anchor="ctr"/>
+          <a:lstStyle/>
+          <a:p>
+            <a:pPr algn="ctr"/>
+            <a:endParaRPr lang="en-US"/>
+          </a:p>
+        </p:txBody>
+      </p:sp>
+      <p:sp>
+        <p:nvSpPr>
+          <p:cNvPr id="12" name="Rectángulo 11"/>
+          <p:cNvSpPr/>
+          <p:nvPr/>
+        </p:nvSpPr>
+        <p:spPr>
+          <a:xfrm>
+            <a:off x="897515" y="3147271"/>
+            <a:ext cx="2648126" cy="360727"/>
+          </a:xfrm>
+          <a:prstGeom prst="rect">
+            <a:avLst/>
+          </a:prstGeom>
+        </p:spPr>
+        <p:style>
+          <a:lnRef idx="2">
+            <a:schemeClr val="accent2">
+              <a:shade val="50000"/>
+            </a:schemeClr>
+          </a:lnRef>
+          <a:fillRef idx="1">
+            <a:schemeClr val="accent2"/>
+          </a:fillRef>
+          <a:effectRef idx="0">
+            <a:schemeClr val="accent2"/>
+          </a:effectRef>
+          <a:fontRef idx="minor">
+            <a:schemeClr val="lt1"/>
+          </a:fontRef>
+        </p:style>
+        <p:txBody>
+          <a:bodyPr rtlCol="0" anchor="ctr"/>
+          <a:lstStyle/>
+          <a:p>
+            <a:pPr algn="ctr"/>
+            <a:r>
+              <a:rPr lang="es-MX" dirty="0" smtClean="0"/>
+              <a:t>Input</a:t>
+            </a:r>
+            <a:endParaRPr lang="en-US" dirty="0"/>
+          </a:p>
+        </p:txBody>
+      </p:sp>
+      <p:sp>
+        <p:nvSpPr>
+          <p:cNvPr id="13" name="Rectángulo 12"/>
+          <p:cNvSpPr/>
+          <p:nvPr/>
+        </p:nvSpPr>
+        <p:spPr>
+          <a:xfrm>
+            <a:off x="3689475" y="3147271"/>
+            <a:ext cx="1003884" cy="360727"/>
+          </a:xfrm>
+          <a:prstGeom prst="rect">
+            <a:avLst/>
+          </a:prstGeom>
+        </p:spPr>
+        <p:style>
+          <a:lnRef idx="2">
+            <a:schemeClr val="accent2">
+              <a:shade val="50000"/>
+            </a:schemeClr>
+          </a:lnRef>
+          <a:fillRef idx="1">
+            <a:schemeClr val="accent2"/>
+          </a:fillRef>
+          <a:effectRef idx="0">
+            <a:schemeClr val="accent2"/>
+          </a:effectRef>
+          <a:fontRef idx="minor">
+            <a:schemeClr val="lt1"/>
+          </a:fontRef>
+        </p:style>
+        <p:txBody>
+          <a:bodyPr rtlCol="0" anchor="ctr"/>
+          <a:lstStyle/>
+          <a:p>
+            <a:pPr algn="ctr"/>
+            <a:r>
+              <a:rPr lang="es-MX" dirty="0" err="1" smtClean="0"/>
+              <a:t>Button</a:t>
+            </a:r>
+            <a:endParaRPr lang="en-US" dirty="0"/>
+          </a:p>
+        </p:txBody>
+      </p:sp>
+      <p:sp>
+        <p:nvSpPr>
+          <p:cNvPr id="14" name="Rectángulo 13"/>
+          <p:cNvSpPr/>
+          <p:nvPr/>
+        </p:nvSpPr>
+        <p:spPr>
+          <a:xfrm>
+            <a:off x="4903692" y="3148871"/>
+            <a:ext cx="1003884" cy="360727"/>
+          </a:xfrm>
+          <a:prstGeom prst="rect">
+            <a:avLst/>
+          </a:prstGeom>
+        </p:spPr>
+        <p:style>
+          <a:lnRef idx="2">
+            <a:schemeClr val="accent2">
+              <a:shade val="50000"/>
+            </a:schemeClr>
+          </a:lnRef>
+          <a:fillRef idx="1">
+            <a:schemeClr val="accent2"/>
+          </a:fillRef>
+          <a:effectRef idx="0">
+            <a:schemeClr val="accent2"/>
+          </a:effectRef>
+          <a:fontRef idx="minor">
+            <a:schemeClr val="lt1"/>
+          </a:fontRef>
+        </p:style>
+        <p:txBody>
+          <a:bodyPr rtlCol="0" anchor="ctr"/>
+          <a:lstStyle/>
+          <a:p>
+            <a:pPr algn="ctr"/>
+            <a:r>
+              <a:rPr lang="es-MX" dirty="0" err="1" smtClean="0"/>
+              <a:t>Button</a:t>
+            </a:r>
+            <a:endParaRPr lang="en-US" dirty="0"/>
+          </a:p>
+        </p:txBody>
+      </p:sp>
+      <p:sp>
+        <p:nvSpPr>
+          <p:cNvPr id="16" name="Rectángulo 15"/>
+          <p:cNvSpPr/>
+          <p:nvPr/>
+        </p:nvSpPr>
+        <p:spPr>
+          <a:xfrm>
+            <a:off x="2752637" y="482322"/>
+            <a:ext cx="1468074" cy="360727"/>
+          </a:xfrm>
+          <a:prstGeom prst="rect">
+            <a:avLst/>
+          </a:prstGeom>
+        </p:spPr>
+        <p:style>
+          <a:lnRef idx="2">
+            <a:schemeClr val="accent2">
+              <a:shade val="50000"/>
+            </a:schemeClr>
+          </a:lnRef>
+          <a:fillRef idx="1">
+            <a:schemeClr val="accent2"/>
+          </a:fillRef>
+          <a:effectRef idx="0">
+            <a:schemeClr val="accent2"/>
+          </a:effectRef>
+          <a:fontRef idx="minor">
+            <a:schemeClr val="lt1"/>
+          </a:fontRef>
+        </p:style>
+        <p:txBody>
+          <a:bodyPr rtlCol="0" anchor="ctr"/>
+          <a:lstStyle/>
+          <a:p>
+            <a:pPr algn="ctr"/>
+            <a:r>
+              <a:rPr lang="es-MX" dirty="0" smtClean="0"/>
+              <a:t>a</a:t>
+            </a:r>
+            <a:endParaRPr lang="en-US" dirty="0"/>
+          </a:p>
+        </p:txBody>
+      </p:sp>
+      <p:sp>
+        <p:nvSpPr>
+          <p:cNvPr id="17" name="Rectángulo 16"/>
+          <p:cNvSpPr/>
+          <p:nvPr/>
+        </p:nvSpPr>
+        <p:spPr>
+          <a:xfrm>
+            <a:off x="4469644" y="478731"/>
+            <a:ext cx="1468074" cy="360727"/>
+          </a:xfrm>
+          <a:prstGeom prst="rect">
+            <a:avLst/>
+          </a:prstGeom>
+        </p:spPr>
+        <p:style>
+          <a:lnRef idx="2">
+            <a:schemeClr val="accent2">
+              <a:shade val="50000"/>
+            </a:schemeClr>
+          </a:lnRef>
+          <a:fillRef idx="1">
+            <a:schemeClr val="accent2"/>
+          </a:fillRef>
+          <a:effectRef idx="0">
+            <a:schemeClr val="accent2"/>
+          </a:effectRef>
+          <a:fontRef idx="minor">
+            <a:schemeClr val="lt1"/>
+          </a:fontRef>
+        </p:style>
+        <p:txBody>
+          <a:bodyPr rtlCol="0" anchor="ctr"/>
+          <a:lstStyle/>
+          <a:p>
+            <a:pPr algn="ctr"/>
+            <a:r>
+              <a:rPr lang="es-MX" dirty="0" smtClean="0"/>
+              <a:t>a</a:t>
+            </a:r>
+            <a:endParaRPr lang="en-US" dirty="0"/>
+          </a:p>
+        </p:txBody>
+      </p:sp>
+      <p:sp>
+        <p:nvSpPr>
+          <p:cNvPr id="18" name="CuadroTexto 17"/>
+          <p:cNvSpPr txBox="1"/>
+          <p:nvPr/>
+        </p:nvSpPr>
+        <p:spPr>
+          <a:xfrm>
+            <a:off x="1823966" y="477493"/>
+            <a:ext cx="679738" cy="369332"/>
+          </a:xfrm>
+          <a:prstGeom prst="rect">
+            <a:avLst/>
+          </a:prstGeom>
+          <a:noFill/>
+        </p:spPr>
+        <p:txBody>
+          <a:bodyPr wrap="none" rtlCol="0">
+            <a:spAutoFit/>
+          </a:bodyPr>
+          <a:lstStyle/>
+          <a:p>
+            <a:r>
+              <a:rPr lang="es-MX" dirty="0" smtClean="0"/>
+              <a:t>Jorge</a:t>
+            </a:r>
+            <a:endParaRPr lang="en-US" dirty="0"/>
+          </a:p>
+        </p:txBody>
+      </p:sp>
+      <p:sp>
+        <p:nvSpPr>
+          <p:cNvPr id="19" name="CuadroTexto 18"/>
+          <p:cNvSpPr txBox="1"/>
+          <p:nvPr/>
+        </p:nvSpPr>
+        <p:spPr>
+          <a:xfrm>
+            <a:off x="2715010" y="1220616"/>
+            <a:ext cx="1003801" cy="369332"/>
+          </a:xfrm>
+          <a:prstGeom prst="rect">
+            <a:avLst/>
+          </a:prstGeom>
+          <a:noFill/>
+        </p:spPr>
+        <p:txBody>
+          <a:bodyPr wrap="none" rtlCol="0">
+            <a:spAutoFit/>
+          </a:bodyPr>
+          <a:lstStyle/>
+          <a:p>
+            <a:r>
+              <a:rPr lang="es-MX" dirty="0" smtClean="0"/>
+              <a:t>Emanuel</a:t>
+            </a:r>
+            <a:endParaRPr lang="en-US" dirty="0"/>
+          </a:p>
+        </p:txBody>
+      </p:sp>
+      <p:sp>
+        <p:nvSpPr>
+          <p:cNvPr id="20" name="CuadroTexto 19"/>
+          <p:cNvSpPr txBox="1"/>
+          <p:nvPr/>
+        </p:nvSpPr>
+        <p:spPr>
+          <a:xfrm>
+            <a:off x="1864909" y="2824688"/>
+            <a:ext cx="713337" cy="369332"/>
+          </a:xfrm>
+          <a:prstGeom prst="rect">
+            <a:avLst/>
+          </a:prstGeom>
+          <a:noFill/>
+        </p:spPr>
+        <p:txBody>
+          <a:bodyPr wrap="none" rtlCol="0">
+            <a:spAutoFit/>
+          </a:bodyPr>
+          <a:lstStyle/>
+          <a:p>
+            <a:r>
+              <a:rPr lang="es-MX" dirty="0" smtClean="0"/>
+              <a:t>Oscar</a:t>
+            </a:r>
+            <a:endParaRPr lang="en-US" dirty="0"/>
+          </a:p>
+        </p:txBody>
+      </p:sp>
+      <p:sp>
+        <p:nvSpPr>
+          <p:cNvPr id="3" name="Rectángulo 2"/>
+          <p:cNvSpPr/>
+          <p:nvPr/>
+        </p:nvSpPr>
+        <p:spPr>
+          <a:xfrm>
+            <a:off x="947955" y="4104684"/>
+            <a:ext cx="2300148" cy="2475997"/>
+          </a:xfrm>
+          <a:prstGeom prst="rect">
+            <a:avLst/>
+          </a:prstGeom>
+          <a:solidFill>
+            <a:schemeClr val="bg1">
+              <a:lumMod val="75000"/>
+            </a:schemeClr>
+          </a:solidFill>
+        </p:spPr>
+        <p:style>
+          <a:lnRef idx="2">
+            <a:schemeClr val="accent1">
+              <a:shade val="50000"/>
+            </a:schemeClr>
+          </a:lnRef>
+          <a:fillRef idx="1">
+            <a:schemeClr val="accent1"/>
+          </a:fillRef>
+          <a:effectRef idx="0">
+            <a:schemeClr val="accent1"/>
+          </a:effectRef>
+          <a:fontRef idx="minor">
+            <a:schemeClr val="lt1"/>
+          </a:fontRef>
+        </p:style>
+        <p:txBody>
+          <a:bodyPr rtlCol="0" anchor="ctr"/>
+          <a:lstStyle/>
+          <a:p>
+            <a:pPr algn="ctr"/>
+            <a:endParaRPr lang="en-US"/>
+          </a:p>
+        </p:txBody>
+      </p:sp>
+      <p:sp>
+        <p:nvSpPr>
+          <p:cNvPr id="23" name="Rectángulo 22"/>
+          <p:cNvSpPr/>
+          <p:nvPr/>
+        </p:nvSpPr>
+        <p:spPr>
+          <a:xfrm>
+            <a:off x="3607428" y="4104684"/>
+            <a:ext cx="2300148" cy="2475997"/>
+          </a:xfrm>
+          <a:prstGeom prst="rect">
+            <a:avLst/>
+          </a:prstGeom>
+          <a:solidFill>
+            <a:schemeClr val="bg1">
+              <a:lumMod val="75000"/>
+            </a:schemeClr>
+          </a:solidFill>
+        </p:spPr>
+        <p:style>
+          <a:lnRef idx="2">
+            <a:schemeClr val="accent1">
+              <a:shade val="50000"/>
+            </a:schemeClr>
+          </a:lnRef>
+          <a:fillRef idx="1">
+            <a:schemeClr val="accent1"/>
+          </a:fillRef>
+          <a:effectRef idx="0">
+            <a:schemeClr val="accent1"/>
+          </a:effectRef>
+          <a:fontRef idx="minor">
+            <a:schemeClr val="lt1"/>
+          </a:fontRef>
+        </p:style>
+        <p:txBody>
+          <a:bodyPr rtlCol="0" anchor="ctr"/>
+          <a:lstStyle/>
+          <a:p>
+            <a:pPr algn="ctr"/>
+            <a:endParaRPr lang="en-US"/>
+          </a:p>
+        </p:txBody>
+      </p:sp>
+      <p:sp>
+        <p:nvSpPr>
+          <p:cNvPr id="24" name="Rectángulo 23"/>
+          <p:cNvSpPr/>
+          <p:nvPr/>
+        </p:nvSpPr>
+        <p:spPr>
+          <a:xfrm>
+            <a:off x="6770612" y="5019516"/>
+            <a:ext cx="2417008" cy="1200329"/>
+          </a:xfrm>
+          <a:prstGeom prst="rect">
+            <a:avLst/>
+          </a:prstGeom>
+          <a:noFill/>
+        </p:spPr>
+        <p:txBody>
+          <a:bodyPr wrap="none" lIns="91440" tIns="45720" rIns="91440" bIns="45720">
+            <a:spAutoFit/>
+          </a:bodyPr>
+          <a:lstStyle/>
+          <a:p>
+            <a:pPr algn="ctr"/>
+            <a:r>
+              <a:rPr lang="es-ES" sz="3600" b="0" cap="none" spc="0" dirty="0" smtClean="0">
+                <a:ln w="0"/>
+                <a:solidFill>
+                  <a:schemeClr val="tx1"/>
+                </a:solidFill>
+                <a:effectLst>
+                  <a:outerShdw blurRad="38100" dist="19050" dir="2700000" algn="tl" rotWithShape="0">
+                    <a:schemeClr val="dk1">
+                      <a:alpha val="40000"/>
+                    </a:schemeClr>
+                  </a:outerShdw>
+                </a:effectLst>
+              </a:rPr>
+              <a:t>Propuesta 2</a:t>
+            </a:r>
+          </a:p>
+          <a:p>
+            <a:pPr algn="ctr"/>
+            <a:r>
+              <a:rPr lang="es-ES" sz="3600" dirty="0" err="1" smtClean="0">
+                <a:ln w="0"/>
+                <a:effectLst>
+                  <a:outerShdw blurRad="38100" dist="19050" dir="2700000" algn="tl" rotWithShape="0">
+                    <a:schemeClr val="dk1">
+                      <a:alpha val="40000"/>
+                    </a:schemeClr>
+                  </a:outerShdw>
+                </a:effectLst>
+              </a:rPr>
+              <a:t>Responsive</a:t>
+            </a:r>
+            <a:endParaRPr lang="es-ES" sz="3600" b="0" cap="none" spc="0" dirty="0">
+              <a:ln w="0"/>
+              <a:solidFill>
+                <a:schemeClr val="tx1"/>
+              </a:solidFill>
+              <a:effectLst>
+                <a:outerShdw blurRad="38100" dist="19050" dir="2700000" algn="tl" rotWithShape="0">
+                  <a:schemeClr val="dk1">
+                    <a:alpha val="40000"/>
+                  </a:schemeClr>
+                </a:outerShdw>
+              </a:effectLst>
+            </a:endParaRPr>
+          </a:p>
+        </p:txBody>
+      </p:sp>
+    </p:spTree>
+    <p:extLst>
+      <p:ext uri="{BB962C8B-B14F-4D97-AF65-F5344CB8AC3E}">
+        <p14:creationId xmlns:p14="http://schemas.microsoft.com/office/powerpoint/2010/main" val="917178622"/>
       </p:ext>
     </p:extLst>
   </p:cSld>
